--- a/Présentation-groupe-09-sc.pptx
+++ b/Présentation-groupe-09-sc.pptx
@@ -7,6 +7,10 @@
   <p:sldIdLst>
     <p:sldId id="256" r:id="rId2"/>
     <p:sldId id="257" r:id="rId3"/>
+    <p:sldId id="258" r:id="rId4"/>
+    <p:sldId id="259" r:id="rId5"/>
+    <p:sldId id="260" r:id="rId6"/>
+    <p:sldId id="261" r:id="rId7"/>
   </p:sldIdLst>
   <p:sldSz cx="9144000" cy="6858000" type="screen4x3"/>
   <p:notesSz cx="6858000" cy="9144000"/>
@@ -6068,10 +6072,15 @@
             <p:ph type="subTitle" idx="1"/>
           </p:nvPr>
         </p:nvSpPr>
-        <p:spPr/>
+        <p:spPr>
+          <a:xfrm>
+            <a:off x="1357290" y="3857628"/>
+            <a:ext cx="6400800" cy="1824046"/>
+          </a:xfrm>
+        </p:spPr>
         <p:txBody>
           <a:bodyPr>
-            <a:normAutofit/>
+            <a:normAutofit fontScale="92500" lnSpcReduction="10000"/>
           </a:bodyPr>
           <a:lstStyle/>
           <a:p>
@@ -6080,8 +6089,15 @@
           <a:p>
             <a:r>
               <a:rPr lang="fr-FR" dirty="0" smtClean="0"/>
-              <a:t>Groupe 09 Sciences Cognitives</a:t>
-            </a:r>
+              <a:t>Groupe 09 Sciences </a:t>
+            </a:r>
+            <a:r>
+              <a:rPr lang="fr-FR" dirty="0" smtClean="0"/>
+              <a:t>Cognitives</a:t>
+            </a:r>
+          </a:p>
+          <a:p>
+            <a:endParaRPr lang="fr-FR" dirty="0" smtClean="0"/>
           </a:p>
           <a:p>
             <a:r>
@@ -6140,6 +6156,13 @@
   <p:clrMapOvr>
     <a:masterClrMapping/>
   </p:clrMapOvr>
+  <p:timing>
+    <p:tnLst>
+      <p:par>
+        <p:cTn id="1" dur="indefinite" restart="never" nodeType="tmRoot"/>
+      </p:par>
+    </p:tnLst>
+  </p:timing>
 </p:sld>
 </file>
 
@@ -6206,7 +6229,11 @@
             </a:pPr>
             <a:r>
               <a:rPr lang="fr-FR" dirty="0" smtClean="0"/>
-              <a:t>Présentation du contexte et défis</a:t>
+              <a:t>Présentation du contexte et </a:t>
+            </a:r>
+            <a:r>
+              <a:rPr lang="fr-FR" dirty="0" smtClean="0"/>
+              <a:t>défis</a:t>
             </a:r>
           </a:p>
           <a:p>
@@ -6214,10 +6241,7 @@
               <a:buFont typeface="+mj-lt"/>
               <a:buAutoNum type="arabicPeriod"/>
             </a:pPr>
-            <a:r>
-              <a:rPr lang="fr-FR" dirty="0" smtClean="0"/>
-              <a:t>Solution proposée</a:t>
-            </a:r>
+            <a:endParaRPr lang="fr-FR" dirty="0" smtClean="0"/>
           </a:p>
           <a:p>
             <a:pPr marL="514350" indent="-514350">
@@ -6226,8 +6250,32 @@
             </a:pPr>
             <a:r>
               <a:rPr lang="fr-FR" dirty="0" smtClean="0"/>
+              <a:t>Solutions proposées</a:t>
+            </a:r>
+          </a:p>
+          <a:p>
+            <a:pPr marL="514350" indent="-514350">
+              <a:buFont typeface="+mj-lt"/>
+              <a:buAutoNum type="arabicPeriod"/>
+            </a:pPr>
+            <a:endParaRPr lang="fr-FR" dirty="0" smtClean="0"/>
+          </a:p>
+          <a:p>
+            <a:pPr marL="514350" indent="-514350">
+              <a:buFont typeface="+mj-lt"/>
+              <a:buAutoNum type="arabicPeriod"/>
+            </a:pPr>
+            <a:r>
+              <a:rPr lang="fr-FR" dirty="0" smtClean="0"/>
               <a:t>Démonstration</a:t>
             </a:r>
+          </a:p>
+          <a:p>
+            <a:pPr marL="514350" indent="-514350">
+              <a:buFont typeface="+mj-lt"/>
+              <a:buAutoNum type="arabicPeriod"/>
+            </a:pPr>
+            <a:endParaRPr lang="fr-FR" dirty="0" smtClean="0"/>
           </a:p>
           <a:p>
             <a:pPr marL="514350" indent="-514350">
@@ -6259,6 +6307,388 @@
   <p:clrMapOvr>
     <a:masterClrMapping/>
   </p:clrMapOvr>
+  <p:timing>
+    <p:tnLst>
+      <p:par>
+        <p:cTn id="1" dur="indefinite" restart="never" nodeType="tmRoot"/>
+      </p:par>
+    </p:tnLst>
+  </p:timing>
+</p:sld>
+</file>
+
+<file path=ppt/slides/slide3.xml><?xml version="1.0" encoding="utf-8"?>
+<p:sld xmlns:a="http://schemas.openxmlformats.org/drawingml/2006/main" xmlns:r="http://schemas.openxmlformats.org/officeDocument/2006/relationships" xmlns:p="http://schemas.openxmlformats.org/presentationml/2006/main">
+  <p:cSld>
+    <p:spTree>
+      <p:nvGrpSpPr>
+        <p:cNvPr id="1" name=""/>
+        <p:cNvGrpSpPr/>
+        <p:nvPr/>
+      </p:nvGrpSpPr>
+      <p:grpSpPr>
+        <a:xfrm>
+          <a:off x="0" y="0"/>
+          <a:ext cx="0" cy="0"/>
+          <a:chOff x="0" y="0"/>
+          <a:chExt cx="0" cy="0"/>
+        </a:xfrm>
+      </p:grpSpPr>
+      <p:sp>
+        <p:nvSpPr>
+          <p:cNvPr id="2" name="Titre 1"/>
+          <p:cNvSpPr>
+            <a:spLocks noGrp="1"/>
+          </p:cNvSpPr>
+          <p:nvPr>
+            <p:ph type="title"/>
+          </p:nvPr>
+        </p:nvSpPr>
+        <p:spPr/>
+        <p:txBody>
+          <a:bodyPr/>
+          <a:lstStyle/>
+          <a:p>
+            <a:r>
+              <a:rPr lang="fr-FR" dirty="0" smtClean="0"/>
+              <a:t>Présentation du contexte et des défis</a:t>
+            </a:r>
+            <a:endParaRPr lang="fr-FR" dirty="0"/>
+          </a:p>
+        </p:txBody>
+      </p:sp>
+      <p:sp>
+        <p:nvSpPr>
+          <p:cNvPr id="3" name="Espace réservé du contenu 2"/>
+          <p:cNvSpPr>
+            <a:spLocks noGrp="1"/>
+          </p:cNvSpPr>
+          <p:nvPr>
+            <p:ph sz="quarter" idx="1"/>
+          </p:nvPr>
+        </p:nvSpPr>
+        <p:spPr/>
+        <p:txBody>
+          <a:bodyPr/>
+          <a:lstStyle/>
+          <a:p>
+            <a:endParaRPr lang="fr-FR" dirty="0" smtClean="0"/>
+          </a:p>
+          <a:p>
+            <a:r>
+              <a:rPr lang="fr-FR" dirty="0" smtClean="0"/>
+              <a:t>Recherche et recommandation de séries télévisées</a:t>
+            </a:r>
+          </a:p>
+          <a:p>
+            <a:endParaRPr lang="fr-FR" dirty="0" smtClean="0"/>
+          </a:p>
+          <a:p>
+            <a:r>
+              <a:rPr lang="fr-FR" dirty="0" smtClean="0"/>
+              <a:t>Défis : </a:t>
+            </a:r>
+          </a:p>
+          <a:p>
+            <a:pPr lvl="1"/>
+            <a:r>
+              <a:rPr lang="fr-FR" dirty="0" smtClean="0"/>
+              <a:t>Niveau 1 : </a:t>
+            </a:r>
+            <a:r>
+              <a:rPr lang="fr-FR" dirty="0" smtClean="0"/>
+              <a:t>✔</a:t>
+            </a:r>
+            <a:endParaRPr lang="fr-FR" dirty="0" smtClean="0"/>
+          </a:p>
+          <a:p>
+            <a:pPr lvl="1"/>
+            <a:r>
+              <a:rPr lang="fr-FR" dirty="0" smtClean="0"/>
+              <a:t>Niveau 2 : </a:t>
+            </a:r>
+            <a:r>
+              <a:rPr lang="fr-FR" dirty="0" smtClean="0"/>
+              <a:t>✔</a:t>
+            </a:r>
+            <a:endParaRPr lang="fr-FR" dirty="0" smtClean="0"/>
+          </a:p>
+          <a:p>
+            <a:pPr lvl="1"/>
+            <a:r>
+              <a:rPr lang="fr-FR" dirty="0" smtClean="0"/>
+              <a:t>Niveau 3 : </a:t>
+            </a:r>
+            <a:r>
+              <a:rPr lang="fr-FR" b="1" dirty="0" smtClean="0"/>
+              <a:t>~</a:t>
+            </a:r>
+            <a:endParaRPr lang="fr-FR" dirty="0"/>
+          </a:p>
+        </p:txBody>
+      </p:sp>
+    </p:spTree>
+  </p:cSld>
+  <p:clrMapOvr>
+    <a:masterClrMapping/>
+  </p:clrMapOvr>
+  <p:timing>
+    <p:tnLst>
+      <p:par>
+        <p:cTn id="1" dur="indefinite" restart="never" nodeType="tmRoot"/>
+      </p:par>
+    </p:tnLst>
+  </p:timing>
+</p:sld>
+</file>
+
+<file path=ppt/slides/slide4.xml><?xml version="1.0" encoding="utf-8"?>
+<p:sld xmlns:a="http://schemas.openxmlformats.org/drawingml/2006/main" xmlns:r="http://schemas.openxmlformats.org/officeDocument/2006/relationships" xmlns:p="http://schemas.openxmlformats.org/presentationml/2006/main">
+  <p:cSld>
+    <p:spTree>
+      <p:nvGrpSpPr>
+        <p:cNvPr id="1" name=""/>
+        <p:cNvGrpSpPr/>
+        <p:nvPr/>
+      </p:nvGrpSpPr>
+      <p:grpSpPr>
+        <a:xfrm>
+          <a:off x="0" y="0"/>
+          <a:ext cx="0" cy="0"/>
+          <a:chOff x="0" y="0"/>
+          <a:chExt cx="0" cy="0"/>
+        </a:xfrm>
+      </p:grpSpPr>
+      <p:sp>
+        <p:nvSpPr>
+          <p:cNvPr id="2" name="Titre 1"/>
+          <p:cNvSpPr>
+            <a:spLocks noGrp="1"/>
+          </p:cNvSpPr>
+          <p:nvPr>
+            <p:ph type="title"/>
+          </p:nvPr>
+        </p:nvSpPr>
+        <p:spPr/>
+        <p:txBody>
+          <a:bodyPr/>
+          <a:lstStyle/>
+          <a:p>
+            <a:r>
+              <a:rPr lang="fr-FR" dirty="0" smtClean="0"/>
+              <a:t>Solutions proposées</a:t>
+            </a:r>
+            <a:endParaRPr lang="fr-FR" dirty="0"/>
+          </a:p>
+        </p:txBody>
+      </p:sp>
+      <p:sp>
+        <p:nvSpPr>
+          <p:cNvPr id="3" name="Espace réservé du contenu 2"/>
+          <p:cNvSpPr>
+            <a:spLocks noGrp="1"/>
+          </p:cNvSpPr>
+          <p:nvPr>
+            <p:ph sz="quarter" idx="1"/>
+          </p:nvPr>
+        </p:nvSpPr>
+        <p:spPr/>
+        <p:txBody>
+          <a:bodyPr/>
+          <a:lstStyle/>
+          <a:p>
+            <a:endParaRPr lang="fr-FR"/>
+          </a:p>
+        </p:txBody>
+      </p:sp>
+    </p:spTree>
+  </p:cSld>
+  <p:clrMapOvr>
+    <a:masterClrMapping/>
+  </p:clrMapOvr>
+  <p:timing>
+    <p:tnLst>
+      <p:par>
+        <p:cTn id="1" dur="indefinite" restart="never" nodeType="tmRoot"/>
+      </p:par>
+    </p:tnLst>
+  </p:timing>
+</p:sld>
+</file>
+
+<file path=ppt/slides/slide5.xml><?xml version="1.0" encoding="utf-8"?>
+<p:sld xmlns:a="http://schemas.openxmlformats.org/drawingml/2006/main" xmlns:r="http://schemas.openxmlformats.org/officeDocument/2006/relationships" xmlns:p="http://schemas.openxmlformats.org/presentationml/2006/main">
+  <p:cSld>
+    <p:spTree>
+      <p:nvGrpSpPr>
+        <p:cNvPr id="1" name=""/>
+        <p:cNvGrpSpPr/>
+        <p:nvPr/>
+      </p:nvGrpSpPr>
+      <p:grpSpPr>
+        <a:xfrm>
+          <a:off x="0" y="0"/>
+          <a:ext cx="0" cy="0"/>
+          <a:chOff x="0" y="0"/>
+          <a:chExt cx="0" cy="0"/>
+        </a:xfrm>
+      </p:grpSpPr>
+      <p:sp>
+        <p:nvSpPr>
+          <p:cNvPr id="2" name="Titre 1"/>
+          <p:cNvSpPr>
+            <a:spLocks noGrp="1"/>
+          </p:cNvSpPr>
+          <p:nvPr>
+            <p:ph type="title"/>
+          </p:nvPr>
+        </p:nvSpPr>
+        <p:spPr/>
+        <p:txBody>
+          <a:bodyPr/>
+          <a:lstStyle/>
+          <a:p>
+            <a:r>
+              <a:rPr lang="fr-FR" dirty="0" smtClean="0"/>
+              <a:t>Démonstration</a:t>
+            </a:r>
+            <a:endParaRPr lang="fr-FR" dirty="0"/>
+          </a:p>
+        </p:txBody>
+      </p:sp>
+      <p:sp>
+        <p:nvSpPr>
+          <p:cNvPr id="3" name="Espace réservé du contenu 2"/>
+          <p:cNvSpPr>
+            <a:spLocks noGrp="1"/>
+          </p:cNvSpPr>
+          <p:nvPr>
+            <p:ph sz="quarter" idx="1"/>
+          </p:nvPr>
+        </p:nvSpPr>
+        <p:spPr/>
+        <p:txBody>
+          <a:bodyPr/>
+          <a:lstStyle/>
+          <a:p>
+            <a:endParaRPr lang="fr-FR"/>
+          </a:p>
+        </p:txBody>
+      </p:sp>
+    </p:spTree>
+  </p:cSld>
+  <p:clrMapOvr>
+    <a:masterClrMapping/>
+  </p:clrMapOvr>
+  <p:timing>
+    <p:tnLst>
+      <p:par>
+        <p:cTn id="1" dur="indefinite" restart="never" nodeType="tmRoot"/>
+      </p:par>
+    </p:tnLst>
+  </p:timing>
+</p:sld>
+</file>
+
+<file path=ppt/slides/slide6.xml><?xml version="1.0" encoding="utf-8"?>
+<p:sld xmlns:a="http://schemas.openxmlformats.org/drawingml/2006/main" xmlns:r="http://schemas.openxmlformats.org/officeDocument/2006/relationships" xmlns:p="http://schemas.openxmlformats.org/presentationml/2006/main">
+  <p:cSld>
+    <p:spTree>
+      <p:nvGrpSpPr>
+        <p:cNvPr id="1" name=""/>
+        <p:cNvGrpSpPr/>
+        <p:nvPr/>
+      </p:nvGrpSpPr>
+      <p:grpSpPr>
+        <a:xfrm>
+          <a:off x="0" y="0"/>
+          <a:ext cx="0" cy="0"/>
+          <a:chOff x="0" y="0"/>
+          <a:chExt cx="0" cy="0"/>
+        </a:xfrm>
+      </p:grpSpPr>
+      <p:sp>
+        <p:nvSpPr>
+          <p:cNvPr id="2" name="Titre 1"/>
+          <p:cNvSpPr>
+            <a:spLocks noGrp="1"/>
+          </p:cNvSpPr>
+          <p:nvPr>
+            <p:ph type="title"/>
+          </p:nvPr>
+        </p:nvSpPr>
+        <p:spPr/>
+        <p:txBody>
+          <a:bodyPr/>
+          <a:lstStyle/>
+          <a:p>
+            <a:r>
+              <a:rPr lang="fr-FR" dirty="0" smtClean="0"/>
+              <a:t>Rétrospective</a:t>
+            </a:r>
+            <a:endParaRPr lang="fr-FR" dirty="0"/>
+          </a:p>
+        </p:txBody>
+      </p:sp>
+      <p:sp>
+        <p:nvSpPr>
+          <p:cNvPr id="3" name="Espace réservé du contenu 2"/>
+          <p:cNvSpPr>
+            <a:spLocks noGrp="1"/>
+          </p:cNvSpPr>
+          <p:nvPr>
+            <p:ph sz="quarter" idx="1"/>
+          </p:nvPr>
+        </p:nvSpPr>
+        <p:spPr/>
+        <p:txBody>
+          <a:bodyPr/>
+          <a:lstStyle/>
+          <a:p>
+            <a:endParaRPr lang="fr-FR" dirty="0" smtClean="0"/>
+          </a:p>
+          <a:p>
+            <a:endParaRPr lang="fr-FR" dirty="0" smtClean="0"/>
+          </a:p>
+          <a:p>
+            <a:r>
+              <a:rPr lang="fr-FR" dirty="0" smtClean="0"/>
+              <a:t>Recommandation sommaire</a:t>
+            </a:r>
+          </a:p>
+          <a:p>
+            <a:r>
+              <a:rPr lang="fr-FR" dirty="0" smtClean="0"/>
+              <a:t>Recherche améliorable</a:t>
+            </a:r>
+          </a:p>
+          <a:p>
+            <a:r>
+              <a:rPr lang="fr-FR" dirty="0" smtClean="0"/>
+              <a:t>Affichage des séries</a:t>
+            </a:r>
+          </a:p>
+          <a:p>
+            <a:r>
+              <a:rPr lang="fr-FR" dirty="0" smtClean="0"/>
+              <a:t>Gestion de projet</a:t>
+            </a:r>
+            <a:endParaRPr lang="fr-FR" dirty="0"/>
+          </a:p>
+        </p:txBody>
+      </p:sp>
+    </p:spTree>
+  </p:cSld>
+  <p:clrMapOvr>
+    <a:masterClrMapping/>
+  </p:clrMapOvr>
+  <p:timing>
+    <p:tnLst>
+      <p:par>
+        <p:cTn id="1" dur="indefinite" restart="never" nodeType="tmRoot"/>
+      </p:par>
+    </p:tnLst>
+  </p:timing>
 </p:sld>
 </file>
 

--- a/Présentation-groupe-09-sc.pptx
+++ b/Présentation-groupe-09-sc.pptx
@@ -6089,11 +6089,7 @@
           <a:p>
             <a:r>
               <a:rPr lang="fr-FR" dirty="0" smtClean="0"/>
-              <a:t>Groupe 09 Sciences </a:t>
-            </a:r>
-            <a:r>
-              <a:rPr lang="fr-FR" dirty="0" smtClean="0"/>
-              <a:t>Cognitives</a:t>
+              <a:t>Groupe 09 Sciences Cognitives</a:t>
             </a:r>
           </a:p>
           <a:p>
@@ -6229,11 +6225,7 @@
             </a:pPr>
             <a:r>
               <a:rPr lang="fr-FR" dirty="0" smtClean="0"/>
-              <a:t>Présentation du contexte et </a:t>
-            </a:r>
-            <a:r>
-              <a:rPr lang="fr-FR" dirty="0" smtClean="0"/>
-              <a:t>défis</a:t>
+              <a:t>Présentation du contexte et défis</a:t>
             </a:r>
           </a:p>
           <a:p>
@@ -6393,25 +6385,15 @@
             <a:pPr lvl="1"/>
             <a:r>
               <a:rPr lang="fr-FR" dirty="0" smtClean="0"/>
-              <a:t>Niveau 1 : </a:t>
-            </a:r>
+              <a:t>Niveau 1 : ✔</a:t>
+            </a:r>
+          </a:p>
+          <a:p>
+            <a:pPr lvl="1"/>
             <a:r>
               <a:rPr lang="fr-FR" dirty="0" smtClean="0"/>
-              <a:t>✔</a:t>
-            </a:r>
-            <a:endParaRPr lang="fr-FR" dirty="0" smtClean="0"/>
-          </a:p>
-          <a:p>
-            <a:pPr lvl="1"/>
-            <a:r>
-              <a:rPr lang="fr-FR" dirty="0" smtClean="0"/>
-              <a:t>Niveau 2 : </a:t>
-            </a:r>
-            <a:r>
-              <a:rPr lang="fr-FR" dirty="0" smtClean="0"/>
-              <a:t>✔</a:t>
-            </a:r>
-            <a:endParaRPr lang="fr-FR" dirty="0" smtClean="0"/>
+              <a:t>Niveau 2 : ✔</a:t>
+            </a:r>
           </a:p>
           <a:p>
             <a:pPr lvl="1"/>

--- a/Présentation-groupe-09-sc.pptx
+++ b/Présentation-groupe-09-sc.pptx
@@ -9,8 +9,11 @@
     <p:sldId id="257" r:id="rId3"/>
     <p:sldId id="258" r:id="rId4"/>
     <p:sldId id="259" r:id="rId5"/>
-    <p:sldId id="260" r:id="rId6"/>
-    <p:sldId id="261" r:id="rId7"/>
+    <p:sldId id="262" r:id="rId6"/>
+    <p:sldId id="264" r:id="rId7"/>
+    <p:sldId id="265" r:id="rId8"/>
+    <p:sldId id="260" r:id="rId9"/>
+    <p:sldId id="261" r:id="rId10"/>
   </p:sldIdLst>
   <p:sldSz cx="9144000" cy="6858000" type="screen4x3"/>
   <p:notesSz cx="6858000" cy="9144000"/>
@@ -6451,38 +6454,53 @@
             <p:ph type="title"/>
           </p:nvPr>
         </p:nvSpPr>
-        <p:spPr/>
-        <p:txBody>
-          <a:bodyPr/>
+        <p:spPr>
+          <a:xfrm>
+            <a:off x="285720" y="285728"/>
+            <a:ext cx="8534400" cy="758952"/>
+          </a:xfrm>
+        </p:spPr>
+        <p:txBody>
+          <a:bodyPr>
+            <a:normAutofit fontScale="90000"/>
+          </a:bodyPr>
           <a:lstStyle/>
           <a:p>
             <a:r>
               <a:rPr lang="fr-FR" dirty="0" smtClean="0"/>
-              <a:t>Solutions proposées</a:t>
+              <a:t>Solutions </a:t>
+            </a:r>
+            <a:r>
+              <a:rPr lang="fr-FR" dirty="0" smtClean="0"/>
+              <a:t>proposées – Ce que nous avions imaginé</a:t>
             </a:r>
             <a:endParaRPr lang="fr-FR" dirty="0"/>
           </a:p>
         </p:txBody>
       </p:sp>
-      <p:sp>
-        <p:nvSpPr>
-          <p:cNvPr id="3" name="Espace réservé du contenu 2"/>
-          <p:cNvSpPr>
-            <a:spLocks noGrp="1"/>
-          </p:cNvSpPr>
+      <p:pic>
+        <p:nvPicPr>
+          <p:cNvPr id="4" name="Espace réservé du contenu 3" descr="Architecture1.png"/>
+          <p:cNvPicPr>
+            <a:picLocks noGrp="1" noChangeAspect="1"/>
+          </p:cNvPicPr>
           <p:nvPr>
             <p:ph sz="quarter" idx="1"/>
           </p:nvPr>
-        </p:nvSpPr>
-        <p:spPr/>
-        <p:txBody>
-          <a:bodyPr/>
-          <a:lstStyle/>
-          <a:p>
-            <a:endParaRPr lang="fr-FR"/>
-          </a:p>
-        </p:txBody>
-      </p:sp>
+        </p:nvPicPr>
+        <p:blipFill>
+          <a:blip r:embed="rId2"/>
+          <a:stretch>
+            <a:fillRect/>
+          </a:stretch>
+        </p:blipFill>
+        <p:spPr>
+          <a:xfrm>
+            <a:off x="2428860" y="1022065"/>
+            <a:ext cx="4214842" cy="5835935"/>
+          </a:xfrm>
+        </p:spPr>
+      </p:pic>
     </p:spTree>
   </p:cSld>
   <p:clrMapOvr>
@@ -6527,36 +6545,42 @@
         </p:nvSpPr>
         <p:spPr/>
         <p:txBody>
-          <a:bodyPr/>
+          <a:bodyPr>
+            <a:normAutofit fontScale="90000"/>
+          </a:bodyPr>
           <a:lstStyle/>
           <a:p>
             <a:r>
               <a:rPr lang="fr-FR" dirty="0" smtClean="0"/>
-              <a:t>Démonstration</a:t>
+              <a:t>Solutions proposées – Ce que nous avons réalisé</a:t>
             </a:r>
             <a:endParaRPr lang="fr-FR" dirty="0"/>
           </a:p>
         </p:txBody>
       </p:sp>
-      <p:sp>
-        <p:nvSpPr>
-          <p:cNvPr id="3" name="Espace réservé du contenu 2"/>
-          <p:cNvSpPr>
-            <a:spLocks noGrp="1"/>
-          </p:cNvSpPr>
+      <p:pic>
+        <p:nvPicPr>
+          <p:cNvPr id="4" name="Espace réservé du contenu 3" descr="15909155_10209873340103825_1294995284_o.png"/>
+          <p:cNvPicPr>
+            <a:picLocks noGrp="1" noChangeAspect="1"/>
+          </p:cNvPicPr>
           <p:nvPr>
             <p:ph sz="quarter" idx="1"/>
           </p:nvPr>
-        </p:nvSpPr>
-        <p:spPr/>
-        <p:txBody>
-          <a:bodyPr/>
-          <a:lstStyle/>
-          <a:p>
-            <a:endParaRPr lang="fr-FR"/>
-          </a:p>
-        </p:txBody>
-      </p:sp>
+        </p:nvPicPr>
+        <p:blipFill>
+          <a:blip r:embed="rId2"/>
+          <a:stretch>
+            <a:fillRect/>
+          </a:stretch>
+        </p:blipFill>
+        <p:spPr>
+          <a:xfrm>
+            <a:off x="-32" y="1609540"/>
+            <a:ext cx="9144032" cy="4605542"/>
+          </a:xfrm>
+        </p:spPr>
+      </p:pic>
     </p:spTree>
   </p:cSld>
   <p:clrMapOvr>
@@ -6573,6 +6597,294 @@
 </file>
 
 <file path=ppt/slides/slide6.xml><?xml version="1.0" encoding="utf-8"?>
+<p:sld xmlns:a="http://schemas.openxmlformats.org/drawingml/2006/main" xmlns:r="http://schemas.openxmlformats.org/officeDocument/2006/relationships" xmlns:p="http://schemas.openxmlformats.org/presentationml/2006/main">
+  <p:cSld>
+    <p:spTree>
+      <p:nvGrpSpPr>
+        <p:cNvPr id="1" name=""/>
+        <p:cNvGrpSpPr/>
+        <p:nvPr/>
+      </p:nvGrpSpPr>
+      <p:grpSpPr>
+        <a:xfrm>
+          <a:off x="0" y="0"/>
+          <a:ext cx="0" cy="0"/>
+          <a:chOff x="0" y="0"/>
+          <a:chExt cx="0" cy="0"/>
+        </a:xfrm>
+      </p:grpSpPr>
+      <p:sp>
+        <p:nvSpPr>
+          <p:cNvPr id="2" name="Titre 1"/>
+          <p:cNvSpPr>
+            <a:spLocks noGrp="1"/>
+          </p:cNvSpPr>
+          <p:nvPr>
+            <p:ph type="title"/>
+          </p:nvPr>
+        </p:nvSpPr>
+        <p:spPr>
+          <a:xfrm>
+            <a:off x="301752" y="357166"/>
+            <a:ext cx="8534400" cy="758952"/>
+          </a:xfrm>
+        </p:spPr>
+        <p:txBody>
+          <a:bodyPr>
+            <a:normAutofit fontScale="90000"/>
+          </a:bodyPr>
+          <a:lstStyle/>
+          <a:p>
+            <a:r>
+              <a:rPr lang="fr-FR" dirty="0" smtClean="0"/>
+              <a:t>Solutions proposées – Connexion à la BDD et affichage et consultation des séries et épisodes</a:t>
+            </a:r>
+            <a:endParaRPr lang="fr-FR" dirty="0"/>
+          </a:p>
+        </p:txBody>
+      </p:sp>
+      <p:sp>
+        <p:nvSpPr>
+          <p:cNvPr id="3" name="Espace réservé du contenu 2"/>
+          <p:cNvSpPr>
+            <a:spLocks noGrp="1"/>
+          </p:cNvSpPr>
+          <p:nvPr>
+            <p:ph sz="quarter" idx="1"/>
+          </p:nvPr>
+        </p:nvSpPr>
+        <p:spPr/>
+        <p:txBody>
+          <a:bodyPr/>
+          <a:lstStyle/>
+          <a:p>
+            <a:r>
+              <a:rPr lang="fr-FR" dirty="0" smtClean="0"/>
+              <a:t>Connexion</a:t>
+            </a:r>
+          </a:p>
+          <a:p>
+            <a:r>
+              <a:rPr lang="fr-FR" dirty="0" smtClean="0"/>
+              <a:t>JSON</a:t>
+            </a:r>
+          </a:p>
+          <a:p>
+            <a:pPr>
+              <a:buNone/>
+            </a:pPr>
+            <a:endParaRPr lang="fr-FR" dirty="0"/>
+          </a:p>
+        </p:txBody>
+      </p:sp>
+      <p:pic>
+        <p:nvPicPr>
+          <p:cNvPr id="4" name="Image 3" descr="capture json.JPG"/>
+          <p:cNvPicPr>
+            <a:picLocks noChangeAspect="1"/>
+          </p:cNvPicPr>
+          <p:nvPr/>
+        </p:nvPicPr>
+        <p:blipFill>
+          <a:blip r:embed="rId2"/>
+          <a:stretch>
+            <a:fillRect/>
+          </a:stretch>
+        </p:blipFill>
+        <p:spPr>
+          <a:xfrm>
+            <a:off x="285720" y="2500306"/>
+            <a:ext cx="8501090" cy="3963346"/>
+          </a:xfrm>
+          <a:prstGeom prst="rect">
+            <a:avLst/>
+          </a:prstGeom>
+        </p:spPr>
+      </p:pic>
+    </p:spTree>
+  </p:cSld>
+  <p:clrMapOvr>
+    <a:masterClrMapping/>
+  </p:clrMapOvr>
+</p:sld>
+</file>
+
+<file path=ppt/slides/slide7.xml><?xml version="1.0" encoding="utf-8"?>
+<p:sld xmlns:a="http://schemas.openxmlformats.org/drawingml/2006/main" xmlns:r="http://schemas.openxmlformats.org/officeDocument/2006/relationships" xmlns:p="http://schemas.openxmlformats.org/presentationml/2006/main">
+  <p:cSld>
+    <p:spTree>
+      <p:nvGrpSpPr>
+        <p:cNvPr id="1" name=""/>
+        <p:cNvGrpSpPr/>
+        <p:nvPr/>
+      </p:nvGrpSpPr>
+      <p:grpSpPr>
+        <a:xfrm>
+          <a:off x="0" y="0"/>
+          <a:ext cx="0" cy="0"/>
+          <a:chOff x="0" y="0"/>
+          <a:chExt cx="0" cy="0"/>
+        </a:xfrm>
+      </p:grpSpPr>
+      <p:sp>
+        <p:nvSpPr>
+          <p:cNvPr id="2" name="Titre 1"/>
+          <p:cNvSpPr>
+            <a:spLocks noGrp="1"/>
+          </p:cNvSpPr>
+          <p:nvPr>
+            <p:ph type="title"/>
+          </p:nvPr>
+        </p:nvSpPr>
+        <p:spPr>
+          <a:xfrm>
+            <a:off x="301752" y="357166"/>
+            <a:ext cx="8534400" cy="758952"/>
+          </a:xfrm>
+        </p:spPr>
+        <p:txBody>
+          <a:bodyPr>
+            <a:normAutofit fontScale="90000"/>
+          </a:bodyPr>
+          <a:lstStyle/>
+          <a:p>
+            <a:r>
+              <a:rPr lang="fr-FR" dirty="0" smtClean="0"/>
+              <a:t>Solutions proposées – Connexion à la BDD et affichage et consultation des séries et épisodes</a:t>
+            </a:r>
+            <a:endParaRPr lang="fr-FR" dirty="0"/>
+          </a:p>
+        </p:txBody>
+      </p:sp>
+      <p:sp>
+        <p:nvSpPr>
+          <p:cNvPr id="3" name="Espace réservé du contenu 2"/>
+          <p:cNvSpPr>
+            <a:spLocks noGrp="1"/>
+          </p:cNvSpPr>
+          <p:nvPr>
+            <p:ph sz="quarter" idx="1"/>
+          </p:nvPr>
+        </p:nvSpPr>
+        <p:spPr/>
+        <p:txBody>
+          <a:bodyPr/>
+          <a:lstStyle/>
+          <a:p>
+            <a:endParaRPr lang="fr-FR" dirty="0" smtClean="0"/>
+          </a:p>
+          <a:p>
+            <a:endParaRPr lang="fr-FR" dirty="0" smtClean="0"/>
+          </a:p>
+          <a:p>
+            <a:r>
+              <a:rPr lang="fr-FR" dirty="0" smtClean="0"/>
+              <a:t>Affichage des titres des séries</a:t>
+            </a:r>
+          </a:p>
+          <a:p>
+            <a:endParaRPr lang="fr-FR" dirty="0" smtClean="0"/>
+          </a:p>
+          <a:p>
+            <a:r>
+              <a:rPr lang="fr-FR" dirty="0" smtClean="0"/>
+              <a:t>Affichage des informations des séries</a:t>
+            </a:r>
+          </a:p>
+          <a:p>
+            <a:endParaRPr lang="fr-FR" dirty="0" smtClean="0"/>
+          </a:p>
+          <a:p>
+            <a:r>
+              <a:rPr lang="fr-FR" dirty="0" smtClean="0"/>
+              <a:t>Affichage des épisodes</a:t>
+            </a:r>
+          </a:p>
+        </p:txBody>
+      </p:sp>
+    </p:spTree>
+  </p:cSld>
+  <p:clrMapOvr>
+    <a:masterClrMapping/>
+  </p:clrMapOvr>
+</p:sld>
+</file>
+
+<file path=ppt/slides/slide8.xml><?xml version="1.0" encoding="utf-8"?>
+<p:sld xmlns:a="http://schemas.openxmlformats.org/drawingml/2006/main" xmlns:r="http://schemas.openxmlformats.org/officeDocument/2006/relationships" xmlns:p="http://schemas.openxmlformats.org/presentationml/2006/main">
+  <p:cSld>
+    <p:spTree>
+      <p:nvGrpSpPr>
+        <p:cNvPr id="1" name=""/>
+        <p:cNvGrpSpPr/>
+        <p:nvPr/>
+      </p:nvGrpSpPr>
+      <p:grpSpPr>
+        <a:xfrm>
+          <a:off x="0" y="0"/>
+          <a:ext cx="0" cy="0"/>
+          <a:chOff x="0" y="0"/>
+          <a:chExt cx="0" cy="0"/>
+        </a:xfrm>
+      </p:grpSpPr>
+      <p:sp>
+        <p:nvSpPr>
+          <p:cNvPr id="2" name="Titre 1"/>
+          <p:cNvSpPr>
+            <a:spLocks noGrp="1"/>
+          </p:cNvSpPr>
+          <p:nvPr>
+            <p:ph type="title"/>
+          </p:nvPr>
+        </p:nvSpPr>
+        <p:spPr/>
+        <p:txBody>
+          <a:bodyPr/>
+          <a:lstStyle/>
+          <a:p>
+            <a:r>
+              <a:rPr lang="fr-FR" dirty="0" smtClean="0"/>
+              <a:t>Démonstration</a:t>
+            </a:r>
+            <a:endParaRPr lang="fr-FR" dirty="0"/>
+          </a:p>
+        </p:txBody>
+      </p:sp>
+      <p:sp>
+        <p:nvSpPr>
+          <p:cNvPr id="3" name="Espace réservé du contenu 2"/>
+          <p:cNvSpPr>
+            <a:spLocks noGrp="1"/>
+          </p:cNvSpPr>
+          <p:nvPr>
+            <p:ph sz="quarter" idx="1"/>
+          </p:nvPr>
+        </p:nvSpPr>
+        <p:spPr/>
+        <p:txBody>
+          <a:bodyPr/>
+          <a:lstStyle/>
+          <a:p>
+            <a:endParaRPr lang="fr-FR"/>
+          </a:p>
+        </p:txBody>
+      </p:sp>
+    </p:spTree>
+  </p:cSld>
+  <p:clrMapOvr>
+    <a:masterClrMapping/>
+  </p:clrMapOvr>
+  <p:timing>
+    <p:tnLst>
+      <p:par>
+        <p:cTn id="1" dur="indefinite" restart="never" nodeType="tmRoot"/>
+      </p:par>
+    </p:tnLst>
+  </p:timing>
+</p:sld>
+</file>
+
+<file path=ppt/slides/slide9.xml><?xml version="1.0" encoding="utf-8"?>
 <p:sld xmlns:a="http://schemas.openxmlformats.org/drawingml/2006/main" xmlns:r="http://schemas.openxmlformats.org/officeDocument/2006/relationships" xmlns:p="http://schemas.openxmlformats.org/presentationml/2006/main">
   <p:cSld>
     <p:spTree>
